--- a/컴퓨터 네트워크 - III. LAN.pptx
+++ b/컴퓨터 네트워크 - III. LAN.pptx
@@ -34,9 +34,15 @@
     <p:sldId id="284" r:id="rId28"/>
     <p:sldId id="285" r:id="rId29"/>
     <p:sldId id="286" r:id="rId30"/>
-    <p:sldId id="287" r:id="rId31"/>
-    <p:sldId id="288" r:id="rId32"/>
-    <p:sldId id="289" r:id="rId33"/>
+    <p:sldId id="291" r:id="rId31"/>
+    <p:sldId id="287" r:id="rId32"/>
+    <p:sldId id="290" r:id="rId33"/>
+    <p:sldId id="293" r:id="rId34"/>
+    <p:sldId id="292" r:id="rId35"/>
+    <p:sldId id="289" r:id="rId36"/>
+    <p:sldId id="294" r:id="rId37"/>
+    <p:sldId id="295" r:id="rId38"/>
+    <p:sldId id="288" r:id="rId39"/>
   </p:sldIdLst>
   <p:sldSz cx="12192000" cy="6858000"/>
   <p:notesSz cx="6858000" cy="9144000"/>
@@ -135,6 +141,11 @@
       </a:defRPr>
     </a:lvl9pPr>
   </p:defaultTextStyle>
+  <p:extLst>
+    <p:ext uri="{EFAFB233-063F-42B5-8137-9DF3F51BA10A}">
+      <p15:sldGuideLst xmlns:p15="http://schemas.microsoft.com/office/powerpoint/2012/main"/>
+    </p:ext>
+  </p:extLst>
 </p:presentation>
 </file>
 
@@ -285,7 +296,7 @@
           <a:p>
             <a:fld id="{C236D5EE-439B-4C8F-B1F2-2CB250345167}" type="datetimeFigureOut">
               <a:rPr lang="ko-KR" altLang="en-US" smtClean="0"/>
-              <a:t>2025-04-17</a:t>
+              <a:t>2025-05-13</a:t>
             </a:fld>
             <a:endParaRPr lang="ko-KR" altLang="en-US"/>
           </a:p>
@@ -483,7 +494,7 @@
           <a:p>
             <a:fld id="{C236D5EE-439B-4C8F-B1F2-2CB250345167}" type="datetimeFigureOut">
               <a:rPr lang="ko-KR" altLang="en-US" smtClean="0"/>
-              <a:t>2025-04-17</a:t>
+              <a:t>2025-05-13</a:t>
             </a:fld>
             <a:endParaRPr lang="ko-KR" altLang="en-US"/>
           </a:p>
@@ -691,7 +702,7 @@
           <a:p>
             <a:fld id="{C236D5EE-439B-4C8F-B1F2-2CB250345167}" type="datetimeFigureOut">
               <a:rPr lang="ko-KR" altLang="en-US" smtClean="0"/>
-              <a:t>2025-04-17</a:t>
+              <a:t>2025-05-13</a:t>
             </a:fld>
             <a:endParaRPr lang="ko-KR" altLang="en-US"/>
           </a:p>
@@ -889,7 +900,7 @@
           <a:p>
             <a:fld id="{C236D5EE-439B-4C8F-B1F2-2CB250345167}" type="datetimeFigureOut">
               <a:rPr lang="ko-KR" altLang="en-US" smtClean="0"/>
-              <a:t>2025-04-17</a:t>
+              <a:t>2025-05-13</a:t>
             </a:fld>
             <a:endParaRPr lang="ko-KR" altLang="en-US"/>
           </a:p>
@@ -1164,7 +1175,7 @@
           <a:p>
             <a:fld id="{C236D5EE-439B-4C8F-B1F2-2CB250345167}" type="datetimeFigureOut">
               <a:rPr lang="ko-KR" altLang="en-US" smtClean="0"/>
-              <a:t>2025-04-17</a:t>
+              <a:t>2025-05-13</a:t>
             </a:fld>
             <a:endParaRPr lang="ko-KR" altLang="en-US"/>
           </a:p>
@@ -1429,7 +1440,7 @@
           <a:p>
             <a:fld id="{C236D5EE-439B-4C8F-B1F2-2CB250345167}" type="datetimeFigureOut">
               <a:rPr lang="ko-KR" altLang="en-US" smtClean="0"/>
-              <a:t>2025-04-17</a:t>
+              <a:t>2025-05-13</a:t>
             </a:fld>
             <a:endParaRPr lang="ko-KR" altLang="en-US"/>
           </a:p>
@@ -1841,7 +1852,7 @@
           <a:p>
             <a:fld id="{C236D5EE-439B-4C8F-B1F2-2CB250345167}" type="datetimeFigureOut">
               <a:rPr lang="ko-KR" altLang="en-US" smtClean="0"/>
-              <a:t>2025-04-17</a:t>
+              <a:t>2025-05-13</a:t>
             </a:fld>
             <a:endParaRPr lang="ko-KR" altLang="en-US"/>
           </a:p>
@@ -1982,7 +1993,7 @@
           <a:p>
             <a:fld id="{C236D5EE-439B-4C8F-B1F2-2CB250345167}" type="datetimeFigureOut">
               <a:rPr lang="ko-KR" altLang="en-US" smtClean="0"/>
-              <a:t>2025-04-17</a:t>
+              <a:t>2025-05-13</a:t>
             </a:fld>
             <a:endParaRPr lang="ko-KR" altLang="en-US"/>
           </a:p>
@@ -2095,7 +2106,7 @@
           <a:p>
             <a:fld id="{C236D5EE-439B-4C8F-B1F2-2CB250345167}" type="datetimeFigureOut">
               <a:rPr lang="ko-KR" altLang="en-US" smtClean="0"/>
-              <a:t>2025-04-17</a:t>
+              <a:t>2025-05-13</a:t>
             </a:fld>
             <a:endParaRPr lang="ko-KR" altLang="en-US"/>
           </a:p>
@@ -2406,7 +2417,7 @@
           <a:p>
             <a:fld id="{C236D5EE-439B-4C8F-B1F2-2CB250345167}" type="datetimeFigureOut">
               <a:rPr lang="ko-KR" altLang="en-US" smtClean="0"/>
-              <a:t>2025-04-17</a:t>
+              <a:t>2025-05-13</a:t>
             </a:fld>
             <a:endParaRPr lang="ko-KR" altLang="en-US"/>
           </a:p>
@@ -2694,7 +2705,7 @@
           <a:p>
             <a:fld id="{C236D5EE-439B-4C8F-B1F2-2CB250345167}" type="datetimeFigureOut">
               <a:rPr lang="ko-KR" altLang="en-US" smtClean="0"/>
-              <a:t>2025-04-17</a:t>
+              <a:t>2025-05-13</a:t>
             </a:fld>
             <a:endParaRPr lang="ko-KR" altLang="en-US"/>
           </a:p>
@@ -2935,7 +2946,7 @@
           <a:p>
             <a:fld id="{C236D5EE-439B-4C8F-B1F2-2CB250345167}" type="datetimeFigureOut">
               <a:rPr lang="ko-KR" altLang="en-US" smtClean="0"/>
-              <a:t>2025-04-17</a:t>
+              <a:t>2025-05-13</a:t>
             </a:fld>
             <a:endParaRPr lang="ko-KR" altLang="en-US"/>
           </a:p>
@@ -9721,10 +9732,85 @@
         </p:nvSpPr>
         <p:spPr/>
         <p:txBody>
-          <a:bodyPr/>
+          <a:bodyPr>
+            <a:normAutofit fontScale="92500" lnSpcReduction="20000"/>
+          </a:bodyPr>
           <a:lstStyle/>
           <a:p>
-            <a:endParaRPr lang="ko-KR" altLang="en-US"/>
+            <a:r>
+              <a:rPr lang="ko-KR" altLang="en-US"/>
+              <a:t>다음에서 설명하는 토폴로지로 옳은 것은</a:t>
+            </a:r>
+            <a:r>
+              <a:rPr lang="en-US" altLang="ko-KR"/>
+              <a:t>?</a:t>
+            </a:r>
+          </a:p>
+          <a:p>
+            <a:endParaRPr lang="en-US" altLang="ko-KR"/>
+          </a:p>
+          <a:p>
+            <a:endParaRPr lang="en-US" altLang="ko-KR"/>
+          </a:p>
+          <a:p>
+            <a:endParaRPr lang="en-US" altLang="ko-KR"/>
+          </a:p>
+          <a:p>
+            <a:endParaRPr lang="en-US" altLang="ko-KR"/>
+          </a:p>
+          <a:p>
+            <a:pPr marL="514350" indent="-514350">
+              <a:buFont typeface="+mj-ea"/>
+              <a:buAutoNum type="circleNumDbPlain"/>
+            </a:pPr>
+            <a:r>
+              <a:rPr lang="ko-KR" altLang="en-US"/>
+              <a:t>성형</a:t>
+            </a:r>
+            <a:endParaRPr lang="en-US" altLang="ko-KR"/>
+          </a:p>
+          <a:p>
+            <a:pPr marL="514350" indent="-514350">
+              <a:buFont typeface="+mj-ea"/>
+              <a:buAutoNum type="circleNumDbPlain"/>
+            </a:pPr>
+            <a:r>
+              <a:rPr lang="ko-KR" altLang="en-US"/>
+              <a:t>링형</a:t>
+            </a:r>
+            <a:endParaRPr lang="en-US" altLang="ko-KR"/>
+          </a:p>
+          <a:p>
+            <a:pPr marL="514350" indent="-514350">
+              <a:buFont typeface="+mj-ea"/>
+              <a:buAutoNum type="circleNumDbPlain"/>
+            </a:pPr>
+            <a:r>
+              <a:rPr lang="ko-KR" altLang="en-US"/>
+              <a:t>망형</a:t>
+            </a:r>
+            <a:endParaRPr lang="en-US" altLang="ko-KR"/>
+          </a:p>
+          <a:p>
+            <a:pPr marL="514350" indent="-514350">
+              <a:buFont typeface="+mj-ea"/>
+              <a:buAutoNum type="circleNumDbPlain"/>
+            </a:pPr>
+            <a:r>
+              <a:rPr lang="ko-KR" altLang="en-US"/>
+              <a:t>버스형</a:t>
+            </a:r>
+            <a:endParaRPr lang="en-US" altLang="ko-KR"/>
+          </a:p>
+          <a:p>
+            <a:pPr marL="514350" indent="-514350">
+              <a:buFont typeface="+mj-ea"/>
+              <a:buAutoNum type="circleNumDbPlain"/>
+            </a:pPr>
+            <a:r>
+              <a:rPr lang="ko-KR" altLang="en-US"/>
+              <a:t>트리형</a:t>
+            </a:r>
           </a:p>
         </p:txBody>
       </p:sp>
@@ -9806,10 +9892,80 @@
           </a:fontRef>
         </p:style>
       </p:cxnSp>
+      <p:sp>
+        <p:nvSpPr>
+          <p:cNvPr id="6" name="사각형: 둥근 모서리 5">
+            <a:extLst>
+              <a:ext uri="{FF2B5EF4-FFF2-40B4-BE49-F238E27FC236}">
+                <a16:creationId xmlns:a16="http://schemas.microsoft.com/office/drawing/2014/main" id="{C9AF7FAE-E54D-40EC-899E-6AB8B9A5E53B}"/>
+              </a:ext>
+            </a:extLst>
+          </p:cNvPr>
+          <p:cNvSpPr/>
+          <p:nvPr/>
+        </p:nvSpPr>
+        <p:spPr>
+          <a:xfrm>
+            <a:off x="1317072" y="2281806"/>
+            <a:ext cx="9756390" cy="1392345"/>
+          </a:xfrm>
+          <a:prstGeom prst="roundRect">
+            <a:avLst/>
+          </a:prstGeom>
+        </p:spPr>
+        <p:style>
+          <a:lnRef idx="2">
+            <a:schemeClr val="accent1">
+              <a:shade val="50000"/>
+            </a:schemeClr>
+          </a:lnRef>
+          <a:fillRef idx="1">
+            <a:schemeClr val="accent1"/>
+          </a:fillRef>
+          <a:effectRef idx="0">
+            <a:schemeClr val="accent1"/>
+          </a:effectRef>
+          <a:fontRef idx="minor">
+            <a:schemeClr val="lt1"/>
+          </a:fontRef>
+        </p:style>
+        <p:txBody>
+          <a:bodyPr rtlCol="0" anchor="ctr"/>
+          <a:lstStyle/>
+          <a:p>
+            <a:pPr algn="just"/>
+            <a:r>
+              <a:rPr lang="ko-KR" altLang="en-US"/>
+              <a:t>모든 컴퓨터가 통신 회선을 통하여 상호 연결된 형태이다</a:t>
+            </a:r>
+            <a:r>
+              <a:rPr lang="en-US" altLang="ko-KR"/>
+              <a:t>. </a:t>
+            </a:r>
+            <a:r>
+              <a:rPr lang="ko-KR" altLang="en-US"/>
+              <a:t>모든 통신 장비들이 서로 연결되어 통신 회선에 장애가 발생해도 다른 경로로 데이터 전송이 가능한 신뢰성이 가장 높은 구성형태이다</a:t>
+            </a:r>
+            <a:r>
+              <a:rPr lang="en-US" altLang="ko-KR"/>
+              <a:t>. </a:t>
+            </a:r>
+            <a:r>
+              <a:rPr lang="ko-KR" altLang="en-US"/>
+              <a:t>하지만 네트워크에 연결된 장비들이 많을수록 케이블 설치 비용이 많이 들어간다</a:t>
+            </a:r>
+            <a:r>
+              <a:rPr lang="en-US" altLang="ko-KR"/>
+              <a:t>.</a:t>
+            </a:r>
+            <a:endParaRPr lang="ko-KR" altLang="en-US"/>
+          </a:p>
+        </p:txBody>
+      </p:sp>
     </p:spTree>
     <p:extLst>
       <p:ext uri="{BB962C8B-B14F-4D97-AF65-F5344CB8AC3E}">
-        <p14:creationId xmlns:p14="http://schemas.microsoft.com/office/powerpoint/2010/main" val="213799060"/>
+        <p14:creationId xmlns:p14="http://schemas.microsoft.com/office/powerpoint/2010/main" val="3971714410"/>
       </p:ext>
     </p:extLst>
   </p:cSld>
@@ -9859,7 +10015,7 @@
           <a:p>
             <a:r>
               <a:rPr lang="ko-KR" altLang="en-US"/>
-              <a:t>차시예고</a:t>
+              <a:t>형성평가</a:t>
             </a:r>
           </a:p>
         </p:txBody>
@@ -9882,88 +10038,86 @@
         </p:nvSpPr>
         <p:spPr/>
         <p:txBody>
-          <a:bodyPr/>
+          <a:bodyPr>
+            <a:normAutofit fontScale="85000" lnSpcReduction="20000"/>
+          </a:bodyPr>
           <a:lstStyle/>
           <a:p>
             <a:r>
-              <a:rPr lang="en-US" altLang="ko-KR"/>
-              <a:t>IV. IP</a:t>
-            </a:r>
-            <a:r>
-              <a:rPr lang="ko-KR" altLang="en-US"/>
-              <a:t>주소</a:t>
-            </a:r>
+              <a:rPr lang="ko-KR" altLang="en-US"/>
+              <a:t>다음에서 설명하는 전송매체로 옳은 것은</a:t>
+            </a:r>
+            <a:r>
+              <a:rPr lang="en-US" altLang="ko-KR"/>
+              <a:t>?</a:t>
+            </a:r>
+          </a:p>
+          <a:p>
             <a:endParaRPr lang="en-US" altLang="ko-KR"/>
           </a:p>
           <a:p>
-            <a:pPr lvl="1"/>
-            <a:r>
-              <a:rPr lang="en-US" altLang="ko-KR"/>
-              <a:t>IPv4 </a:t>
-            </a:r>
-            <a:r>
-              <a:rPr lang="ko-KR" altLang="en-US"/>
-              <a:t>주소 체계</a:t>
-            </a:r>
             <a:endParaRPr lang="en-US" altLang="ko-KR"/>
           </a:p>
           <a:p>
-            <a:pPr lvl="1"/>
-            <a:r>
-              <a:rPr lang="ko-KR" altLang="en-US"/>
-              <a:t>서브넷 마스크</a:t>
-            </a:r>
             <a:endParaRPr lang="en-US" altLang="ko-KR"/>
           </a:p>
           <a:p>
-            <a:pPr lvl="1"/>
-            <a:r>
-              <a:rPr lang="ko-KR" altLang="en-US"/>
-              <a:t>서브네팅</a:t>
-            </a:r>
             <a:endParaRPr lang="en-US" altLang="ko-KR"/>
           </a:p>
           <a:p>
-            <a:pPr lvl="1"/>
-            <a:r>
-              <a:rPr lang="en-US" altLang="ko-KR"/>
-              <a:t>VLSM, CIDR</a:t>
-            </a:r>
-          </a:p>
-          <a:p>
-            <a:pPr lvl="1"/>
-            <a:r>
-              <a:rPr lang="ko-KR" altLang="en-US"/>
-              <a:t>사설 </a:t>
-            </a:r>
-            <a:r>
-              <a:rPr lang="en-US" altLang="ko-KR"/>
-              <a:t>IP </a:t>
-            </a:r>
-            <a:r>
-              <a:rPr lang="ko-KR" altLang="en-US"/>
-              <a:t>주소</a:t>
-            </a:r>
             <a:endParaRPr lang="en-US" altLang="ko-KR"/>
           </a:p>
           <a:p>
-            <a:pPr lvl="1"/>
-            <a:r>
-              <a:rPr lang="en-US" altLang="ko-KR"/>
-              <a:t>IPv4</a:t>
-            </a:r>
-            <a:r>
-              <a:rPr lang="ko-KR" altLang="en-US"/>
-              <a:t>와 </a:t>
-            </a:r>
-            <a:r>
-              <a:rPr lang="en-US" altLang="ko-KR"/>
-              <a:t>IPv6</a:t>
-            </a:r>
-          </a:p>
-          <a:p>
-            <a:pPr lvl="1"/>
-            <a:endParaRPr lang="ko-KR" altLang="en-US"/>
+            <a:pPr marL="514350" indent="-514350">
+              <a:buFont typeface="+mj-ea"/>
+              <a:buAutoNum type="circleNumDbPlain"/>
+            </a:pPr>
+            <a:r>
+              <a:rPr lang="en-US" altLang="ko-KR"/>
+              <a:t>UTP</a:t>
+            </a:r>
+          </a:p>
+          <a:p>
+            <a:pPr marL="514350" indent="-514350">
+              <a:buFont typeface="+mj-ea"/>
+              <a:buAutoNum type="circleNumDbPlain"/>
+            </a:pPr>
+            <a:r>
+              <a:rPr lang="en-US" altLang="ko-KR"/>
+              <a:t>STP</a:t>
+            </a:r>
+          </a:p>
+          <a:p>
+            <a:pPr marL="514350" indent="-514350">
+              <a:buFont typeface="+mj-ea"/>
+              <a:buAutoNum type="circleNumDbPlain"/>
+            </a:pPr>
+            <a:r>
+              <a:rPr lang="ko-KR" altLang="en-US"/>
+              <a:t>라디오파</a:t>
+            </a:r>
+            <a:endParaRPr lang="en-US" altLang="ko-KR"/>
+          </a:p>
+          <a:p>
+            <a:pPr marL="514350" indent="-514350">
+              <a:buFont typeface="+mj-ea"/>
+              <a:buAutoNum type="circleNumDbPlain"/>
+            </a:pPr>
+            <a:r>
+              <a:rPr lang="ko-KR" altLang="en-US"/>
+              <a:t>동축 케이블</a:t>
+            </a:r>
+            <a:endParaRPr lang="en-US" altLang="ko-KR"/>
+          </a:p>
+          <a:p>
+            <a:pPr marL="514350" indent="-514350">
+              <a:buFont typeface="+mj-ea"/>
+              <a:buAutoNum type="circleNumDbPlain"/>
+            </a:pPr>
+            <a:r>
+              <a:rPr lang="ko-KR" altLang="en-US"/>
+              <a:t>광섬유 케이블</a:t>
+            </a:r>
           </a:p>
         </p:txBody>
       </p:sp>
@@ -10045,10 +10199,96 @@
           </a:fontRef>
         </p:style>
       </p:cxnSp>
+      <p:sp>
+        <p:nvSpPr>
+          <p:cNvPr id="6" name="사각형: 둥근 모서리 5">
+            <a:extLst>
+              <a:ext uri="{FF2B5EF4-FFF2-40B4-BE49-F238E27FC236}">
+                <a16:creationId xmlns:a16="http://schemas.microsoft.com/office/drawing/2014/main" id="{F355DAEF-F590-4312-8701-225AA9ABF8F3}"/>
+              </a:ext>
+            </a:extLst>
+          </p:cNvPr>
+          <p:cNvSpPr/>
+          <p:nvPr/>
+        </p:nvSpPr>
+        <p:spPr>
+          <a:xfrm>
+            <a:off x="1157681" y="2248249"/>
+            <a:ext cx="10515600" cy="1526797"/>
+          </a:xfrm>
+          <a:prstGeom prst="roundRect">
+            <a:avLst/>
+          </a:prstGeom>
+        </p:spPr>
+        <p:style>
+          <a:lnRef idx="2">
+            <a:schemeClr val="accent1">
+              <a:shade val="50000"/>
+            </a:schemeClr>
+          </a:lnRef>
+          <a:fillRef idx="1">
+            <a:schemeClr val="accent1"/>
+          </a:fillRef>
+          <a:effectRef idx="0">
+            <a:schemeClr val="accent1"/>
+          </a:effectRef>
+          <a:fontRef idx="minor">
+            <a:schemeClr val="lt1"/>
+          </a:fontRef>
+        </p:style>
+        <p:txBody>
+          <a:bodyPr rtlCol="0" anchor="ctr"/>
+          <a:lstStyle/>
+          <a:p>
+            <a:pPr algn="just"/>
+            <a:r>
+              <a:rPr lang="ko-KR" altLang="en-US"/>
+              <a:t>일반 구리선을 두 가닥씩 꼬아 놓은 형태로 구성되어 있으며 가장 보편적으로 사용하는 전송매체이다</a:t>
+            </a:r>
+            <a:r>
+              <a:rPr lang="en-US" altLang="ko-KR"/>
+              <a:t>. </a:t>
+            </a:r>
+            <a:r>
+              <a:rPr lang="ko-KR" altLang="en-US"/>
+              <a:t>케이블 안에 </a:t>
+            </a:r>
+            <a:r>
+              <a:rPr lang="en-US" altLang="ko-KR"/>
+              <a:t>8</a:t>
+            </a:r>
+            <a:r>
+              <a:rPr lang="ko-KR" altLang="en-US"/>
+              <a:t>가닥의 선이 꼬인 상태로 들어 있어 상호 복합적으로 전기적인 특성을 서로 보완해 준다</a:t>
+            </a:r>
+            <a:r>
+              <a:rPr lang="en-US" altLang="ko-KR"/>
+              <a:t>. </a:t>
+            </a:r>
+            <a:r>
+              <a:rPr lang="ko-KR" altLang="en-US"/>
+              <a:t>차폐 효과가 없어 전기적 노이즈와 전자기장에 약하고 거리의 제한이 </a:t>
+            </a:r>
+            <a:r>
+              <a:rPr lang="en-US" altLang="ko-KR"/>
+              <a:t>100</a:t>
+            </a:r>
+            <a:r>
+              <a:rPr lang="ko-KR" altLang="en-US"/>
+              <a:t>미터밖에 안 된다는 단점이 있다</a:t>
+            </a:r>
+            <a:r>
+              <a:rPr lang="en-US" altLang="ko-KR"/>
+              <a:t>.</a:t>
+            </a:r>
+            <a:endParaRPr lang="ko-KR" altLang="en-US"/>
+          </a:p>
+        </p:txBody>
+      </p:sp>
     </p:spTree>
     <p:extLst>
       <p:ext uri="{BB962C8B-B14F-4D97-AF65-F5344CB8AC3E}">
-        <p14:creationId xmlns:p14="http://schemas.microsoft.com/office/powerpoint/2010/main" val="3993141664"/>
+        <p14:creationId xmlns:p14="http://schemas.microsoft.com/office/powerpoint/2010/main" val="213799060"/>
       </p:ext>
     </p:extLst>
   </p:cSld>
@@ -10096,7 +10336,10 @@
           <a:bodyPr/>
           <a:lstStyle/>
           <a:p>
-            <a:endParaRPr lang="ko-KR" altLang="en-US"/>
+            <a:r>
+              <a:rPr lang="ko-KR" altLang="en-US"/>
+              <a:t>형성평가</a:t>
+            </a:r>
           </a:p>
         </p:txBody>
       </p:sp>
@@ -10118,9 +10361,84 @@
         </p:nvSpPr>
         <p:spPr/>
         <p:txBody>
-          <a:bodyPr/>
+          <a:bodyPr>
+            <a:normAutofit/>
+          </a:bodyPr>
           <a:lstStyle/>
           <a:p>
+            <a:r>
+              <a:rPr lang="en-US" altLang="ko-KR"/>
+              <a:t>IPv4</a:t>
+            </a:r>
+            <a:r>
+              <a:rPr lang="ko-KR" altLang="en-US"/>
+              <a:t>의 주소 고갈 문제를 해결하기 위해 등장한 </a:t>
+            </a:r>
+            <a:r>
+              <a:rPr lang="en-US" altLang="ko-KR"/>
+              <a:t>IPv6</a:t>
+            </a:r>
+            <a:r>
+              <a:rPr lang="ko-KR" altLang="en-US"/>
+              <a:t>는 몇 비트인가</a:t>
+            </a:r>
+            <a:r>
+              <a:rPr lang="en-US" altLang="ko-KR"/>
+              <a:t>?</a:t>
+            </a:r>
+          </a:p>
+          <a:p>
+            <a:endParaRPr lang="en-US" altLang="ko-KR"/>
+          </a:p>
+          <a:p>
+            <a:pPr marL="514350" indent="-514350">
+              <a:buFont typeface="+mj-ea"/>
+              <a:buAutoNum type="circleNumDbPlain"/>
+            </a:pPr>
+            <a:r>
+              <a:rPr lang="en-US" altLang="ko-KR"/>
+              <a:t>8bit</a:t>
+            </a:r>
+          </a:p>
+          <a:p>
+            <a:pPr marL="514350" indent="-514350">
+              <a:buFont typeface="+mj-ea"/>
+              <a:buAutoNum type="circleNumDbPlain"/>
+            </a:pPr>
+            <a:r>
+              <a:rPr lang="en-US" altLang="ko-KR"/>
+              <a:t>16bit</a:t>
+            </a:r>
+          </a:p>
+          <a:p>
+            <a:pPr marL="514350" indent="-514350">
+              <a:buFont typeface="+mj-ea"/>
+              <a:buAutoNum type="circleNumDbPlain"/>
+            </a:pPr>
+            <a:r>
+              <a:rPr lang="en-US" altLang="ko-KR"/>
+              <a:t>32bit</a:t>
+            </a:r>
+          </a:p>
+          <a:p>
+            <a:pPr marL="514350" indent="-514350">
+              <a:buFont typeface="+mj-ea"/>
+              <a:buAutoNum type="circleNumDbPlain"/>
+            </a:pPr>
+            <a:r>
+              <a:rPr lang="en-US" altLang="ko-KR"/>
+              <a:t>64bit</a:t>
+            </a:r>
+          </a:p>
+          <a:p>
+            <a:pPr marL="514350" indent="-514350">
+              <a:buFont typeface="+mj-ea"/>
+              <a:buAutoNum type="circleNumDbPlain"/>
+            </a:pPr>
+            <a:r>
+              <a:rPr lang="en-US" altLang="ko-KR"/>
+              <a:t>128bit</a:t>
+            </a:r>
             <a:endParaRPr lang="ko-KR" altLang="en-US"/>
           </a:p>
         </p:txBody>
@@ -10206,7 +10524,1396 @@
     </p:spTree>
     <p:extLst>
       <p:ext uri="{BB962C8B-B14F-4D97-AF65-F5344CB8AC3E}">
+        <p14:creationId xmlns:p14="http://schemas.microsoft.com/office/powerpoint/2010/main" val="1186522266"/>
+      </p:ext>
+    </p:extLst>
+  </p:cSld>
+  <p:clrMapOvr>
+    <a:masterClrMapping/>
+  </p:clrMapOvr>
+</p:sld>
+</file>
+
+<file path=ppt/slides/slide33.xml><?xml version="1.0" encoding="utf-8"?>
+<p:sld xmlns:a="http://schemas.openxmlformats.org/drawingml/2006/main" xmlns:r="http://schemas.openxmlformats.org/officeDocument/2006/relationships" xmlns:p="http://schemas.openxmlformats.org/presentationml/2006/main">
+  <p:cSld>
+    <p:spTree>
+      <p:nvGrpSpPr>
+        <p:cNvPr id="1" name=""/>
+        <p:cNvGrpSpPr/>
+        <p:nvPr/>
+      </p:nvGrpSpPr>
+      <p:grpSpPr>
+        <a:xfrm>
+          <a:off x="0" y="0"/>
+          <a:ext cx="0" cy="0"/>
+          <a:chOff x="0" y="0"/>
+          <a:chExt cx="0" cy="0"/>
+        </a:xfrm>
+      </p:grpSpPr>
+      <p:sp>
+        <p:nvSpPr>
+          <p:cNvPr id="2" name="제목 1">
+            <a:extLst>
+              <a:ext uri="{FF2B5EF4-FFF2-40B4-BE49-F238E27FC236}">
+                <a16:creationId xmlns:a16="http://schemas.microsoft.com/office/drawing/2014/main" id="{983A6E96-AA38-4579-A98A-E829B43CC6D7}"/>
+              </a:ext>
+            </a:extLst>
+          </p:cNvPr>
+          <p:cNvSpPr>
+            <a:spLocks noGrp="1"/>
+          </p:cNvSpPr>
+          <p:nvPr>
+            <p:ph type="title"/>
+          </p:nvPr>
+        </p:nvSpPr>
+        <p:spPr/>
+        <p:txBody>
+          <a:bodyPr/>
+          <a:lstStyle/>
+          <a:p>
+            <a:r>
+              <a:rPr lang="ko-KR" altLang="en-US"/>
+              <a:t>형성평가</a:t>
+            </a:r>
+          </a:p>
+        </p:txBody>
+      </p:sp>
+      <p:sp>
+        <p:nvSpPr>
+          <p:cNvPr id="3" name="내용 개체 틀 2">
+            <a:extLst>
+              <a:ext uri="{FF2B5EF4-FFF2-40B4-BE49-F238E27FC236}">
+                <a16:creationId xmlns:a16="http://schemas.microsoft.com/office/drawing/2014/main" id="{6BEAB955-7BA0-4E41-9FB1-EBAB938546AF}"/>
+              </a:ext>
+            </a:extLst>
+          </p:cNvPr>
+          <p:cNvSpPr>
+            <a:spLocks noGrp="1"/>
+          </p:cNvSpPr>
+          <p:nvPr>
+            <p:ph idx="1"/>
+          </p:nvPr>
+        </p:nvSpPr>
+        <p:spPr/>
+        <p:txBody>
+          <a:bodyPr/>
+          <a:lstStyle/>
+          <a:p>
+            <a:r>
+              <a:rPr lang="en-US" altLang="ko-KR"/>
+              <a:t>C </a:t>
+            </a:r>
+            <a:r>
+              <a:rPr lang="ko-KR" altLang="en-US"/>
+              <a:t>클래스의 기본 서브넷 마스크로 옳은 것은</a:t>
+            </a:r>
+            <a:r>
+              <a:rPr lang="en-US" altLang="ko-KR"/>
+              <a:t>?</a:t>
+            </a:r>
+          </a:p>
+          <a:p>
+            <a:endParaRPr lang="en-US" altLang="ko-KR"/>
+          </a:p>
+          <a:p>
+            <a:pPr marL="514350" indent="-514350">
+              <a:buFont typeface="+mj-ea"/>
+              <a:buAutoNum type="circleNumDbPlain"/>
+            </a:pPr>
+            <a:r>
+              <a:rPr lang="en-US" altLang="ko-KR"/>
+              <a:t>255.0.0.0</a:t>
+            </a:r>
+          </a:p>
+          <a:p>
+            <a:pPr marL="514350" indent="-514350">
+              <a:buFont typeface="+mj-ea"/>
+              <a:buAutoNum type="circleNumDbPlain"/>
+            </a:pPr>
+            <a:r>
+              <a:rPr lang="en-US" altLang="ko-KR"/>
+              <a:t>255.255.0.0</a:t>
+            </a:r>
+          </a:p>
+          <a:p>
+            <a:pPr marL="514350" indent="-514350">
+              <a:buFont typeface="+mj-ea"/>
+              <a:buAutoNum type="circleNumDbPlain"/>
+            </a:pPr>
+            <a:r>
+              <a:rPr lang="en-US" altLang="ko-KR"/>
+              <a:t>255.255.255.0</a:t>
+            </a:r>
+          </a:p>
+          <a:p>
+            <a:pPr marL="514350" indent="-514350">
+              <a:buFont typeface="+mj-ea"/>
+              <a:buAutoNum type="circleNumDbPlain"/>
+            </a:pPr>
+            <a:r>
+              <a:rPr lang="en-US" altLang="ko-KR"/>
+              <a:t>255.255.255.255</a:t>
+            </a:r>
+          </a:p>
+          <a:p>
+            <a:pPr marL="514350" indent="-514350">
+              <a:buFont typeface="+mj-ea"/>
+              <a:buAutoNum type="circleNumDbPlain"/>
+            </a:pPr>
+            <a:r>
+              <a:rPr lang="en-US" altLang="ko-KR"/>
+              <a:t>127.0.0.1</a:t>
+            </a:r>
+            <a:endParaRPr lang="ko-KR" altLang="en-US"/>
+          </a:p>
+        </p:txBody>
+      </p:sp>
+      <p:cxnSp>
+        <p:nvCxnSpPr>
+          <p:cNvPr id="4" name="직선 연결선 3">
+            <a:extLst>
+              <a:ext uri="{FF2B5EF4-FFF2-40B4-BE49-F238E27FC236}">
+                <a16:creationId xmlns:a16="http://schemas.microsoft.com/office/drawing/2014/main" id="{7497DBAA-8245-4138-A3C0-77A3DC3C4E45}"/>
+              </a:ext>
+            </a:extLst>
+          </p:cNvPr>
+          <p:cNvCxnSpPr>
+            <a:cxnSpLocks/>
+          </p:cNvCxnSpPr>
+          <p:nvPr/>
+        </p:nvCxnSpPr>
+        <p:spPr>
+          <a:xfrm>
+            <a:off x="369888" y="1728788"/>
+            <a:ext cx="11450637" cy="0"/>
+          </a:xfrm>
+          <a:prstGeom prst="line">
+            <a:avLst/>
+          </a:prstGeom>
+          <a:ln w="57150"/>
+        </p:spPr>
+        <p:style>
+          <a:lnRef idx="1">
+            <a:schemeClr val="accent1"/>
+          </a:lnRef>
+          <a:fillRef idx="0">
+            <a:schemeClr val="accent1"/>
+          </a:fillRef>
+          <a:effectRef idx="0">
+            <a:schemeClr val="accent1"/>
+          </a:effectRef>
+          <a:fontRef idx="minor">
+            <a:schemeClr val="tx1"/>
+          </a:fontRef>
+        </p:style>
+      </p:cxnSp>
+      <p:cxnSp>
+        <p:nvCxnSpPr>
+          <p:cNvPr id="5" name="직선 연결선 4">
+            <a:extLst>
+              <a:ext uri="{FF2B5EF4-FFF2-40B4-BE49-F238E27FC236}">
+                <a16:creationId xmlns:a16="http://schemas.microsoft.com/office/drawing/2014/main" id="{0559A89C-826E-461D-8263-2810DDF586C0}"/>
+              </a:ext>
+            </a:extLst>
+          </p:cNvPr>
+          <p:cNvCxnSpPr>
+            <a:cxnSpLocks/>
+          </p:cNvCxnSpPr>
+          <p:nvPr/>
+        </p:nvCxnSpPr>
+        <p:spPr>
+          <a:xfrm>
+            <a:off x="554038" y="365125"/>
+            <a:ext cx="0" cy="4906963"/>
+          </a:xfrm>
+          <a:prstGeom prst="line">
+            <a:avLst/>
+          </a:prstGeom>
+          <a:ln w="57150"/>
+        </p:spPr>
+        <p:style>
+          <a:lnRef idx="1">
+            <a:schemeClr val="accent6"/>
+          </a:lnRef>
+          <a:fillRef idx="0">
+            <a:schemeClr val="accent6"/>
+          </a:fillRef>
+          <a:effectRef idx="0">
+            <a:schemeClr val="accent6"/>
+          </a:effectRef>
+          <a:fontRef idx="minor">
+            <a:schemeClr val="tx1"/>
+          </a:fontRef>
+        </p:style>
+      </p:cxnSp>
+    </p:spTree>
+    <p:extLst>
+      <p:ext uri="{BB962C8B-B14F-4D97-AF65-F5344CB8AC3E}">
+        <p14:creationId xmlns:p14="http://schemas.microsoft.com/office/powerpoint/2010/main" val="3124940840"/>
+      </p:ext>
+    </p:extLst>
+  </p:cSld>
+  <p:clrMapOvr>
+    <a:masterClrMapping/>
+  </p:clrMapOvr>
+</p:sld>
+</file>
+
+<file path=ppt/slides/slide34.xml><?xml version="1.0" encoding="utf-8"?>
+<p:sld xmlns:a="http://schemas.openxmlformats.org/drawingml/2006/main" xmlns:r="http://schemas.openxmlformats.org/officeDocument/2006/relationships" xmlns:p="http://schemas.openxmlformats.org/presentationml/2006/main">
+  <p:cSld>
+    <p:spTree>
+      <p:nvGrpSpPr>
+        <p:cNvPr id="1" name=""/>
+        <p:cNvGrpSpPr/>
+        <p:nvPr/>
+      </p:nvGrpSpPr>
+      <p:grpSpPr>
+        <a:xfrm>
+          <a:off x="0" y="0"/>
+          <a:ext cx="0" cy="0"/>
+          <a:chOff x="0" y="0"/>
+          <a:chExt cx="0" cy="0"/>
+        </a:xfrm>
+      </p:grpSpPr>
+      <p:sp>
+        <p:nvSpPr>
+          <p:cNvPr id="2" name="제목 1">
+            <a:extLst>
+              <a:ext uri="{FF2B5EF4-FFF2-40B4-BE49-F238E27FC236}">
+                <a16:creationId xmlns:a16="http://schemas.microsoft.com/office/drawing/2014/main" id="{983A6E96-AA38-4579-A98A-E829B43CC6D7}"/>
+              </a:ext>
+            </a:extLst>
+          </p:cNvPr>
+          <p:cNvSpPr>
+            <a:spLocks noGrp="1"/>
+          </p:cNvSpPr>
+          <p:nvPr>
+            <p:ph type="title"/>
+          </p:nvPr>
+        </p:nvSpPr>
+        <p:spPr/>
+        <p:txBody>
+          <a:bodyPr/>
+          <a:lstStyle/>
+          <a:p>
+            <a:r>
+              <a:rPr lang="ko-KR" altLang="en-US"/>
+              <a:t>형성평가</a:t>
+            </a:r>
+          </a:p>
+        </p:txBody>
+      </p:sp>
+      <p:sp>
+        <p:nvSpPr>
+          <p:cNvPr id="3" name="내용 개체 틀 2">
+            <a:extLst>
+              <a:ext uri="{FF2B5EF4-FFF2-40B4-BE49-F238E27FC236}">
+                <a16:creationId xmlns:a16="http://schemas.microsoft.com/office/drawing/2014/main" id="{6BEAB955-7BA0-4E41-9FB1-EBAB938546AF}"/>
+              </a:ext>
+            </a:extLst>
+          </p:cNvPr>
+          <p:cNvSpPr>
+            <a:spLocks noGrp="1"/>
+          </p:cNvSpPr>
+          <p:nvPr>
+            <p:ph idx="1"/>
+          </p:nvPr>
+        </p:nvSpPr>
+        <p:spPr/>
+        <p:txBody>
+          <a:bodyPr/>
+          <a:lstStyle/>
+          <a:p>
+            <a:r>
+              <a:rPr lang="en-US" altLang="ko-KR"/>
+              <a:t>192.168.0.0/25 </a:t>
+            </a:r>
+            <a:r>
+              <a:rPr lang="ko-KR" altLang="en-US"/>
+              <a:t>네트워크에서 두 번째 서브 네트워크의 범위로 옳은 것은</a:t>
+            </a:r>
+            <a:r>
+              <a:rPr lang="en-US" altLang="ko-KR"/>
+              <a:t>?</a:t>
+            </a:r>
+          </a:p>
+          <a:p>
+            <a:endParaRPr lang="en-US" altLang="ko-KR"/>
+          </a:p>
+          <a:p>
+            <a:pPr marL="514350" indent="-514350">
+              <a:buFont typeface="+mj-ea"/>
+              <a:buAutoNum type="circleNumDbPlain"/>
+            </a:pPr>
+            <a:r>
+              <a:rPr lang="en-US" altLang="ko-KR"/>
+              <a:t>192.168.0.0 ∼ 192.168.0.127</a:t>
+            </a:r>
+          </a:p>
+          <a:p>
+            <a:pPr marL="514350" indent="-514350">
+              <a:buFont typeface="+mj-ea"/>
+              <a:buAutoNum type="circleNumDbPlain"/>
+            </a:pPr>
+            <a:r>
+              <a:rPr lang="en-US" altLang="ko-KR"/>
+              <a:t>192.168.0.128 ∼ 192.168.0.255</a:t>
+            </a:r>
+          </a:p>
+          <a:p>
+            <a:pPr marL="514350" indent="-514350">
+              <a:buFont typeface="+mj-ea"/>
+              <a:buAutoNum type="circleNumDbPlain"/>
+            </a:pPr>
+            <a:r>
+              <a:rPr lang="en-US" altLang="ko-KR"/>
+              <a:t>192.168.10.128 ∼ 192.168.10.255</a:t>
+            </a:r>
+          </a:p>
+          <a:p>
+            <a:pPr marL="514350" indent="-514350">
+              <a:buFont typeface="+mj-ea"/>
+              <a:buAutoNum type="circleNumDbPlain"/>
+            </a:pPr>
+            <a:r>
+              <a:rPr lang="en-US" altLang="ko-KR"/>
+              <a:t>192.168.20.128 ∼ 192.168.20.255</a:t>
+            </a:r>
+          </a:p>
+          <a:p>
+            <a:pPr marL="514350" indent="-514350">
+              <a:buFont typeface="+mj-ea"/>
+              <a:buAutoNum type="circleNumDbPlain"/>
+            </a:pPr>
+            <a:r>
+              <a:rPr lang="en-US" altLang="ko-KR"/>
+              <a:t>192.168.30.128 ∼ 192.168.30.255</a:t>
+            </a:r>
+            <a:endParaRPr lang="ko-KR" altLang="en-US"/>
+          </a:p>
+        </p:txBody>
+      </p:sp>
+      <p:cxnSp>
+        <p:nvCxnSpPr>
+          <p:cNvPr id="4" name="직선 연결선 3">
+            <a:extLst>
+              <a:ext uri="{FF2B5EF4-FFF2-40B4-BE49-F238E27FC236}">
+                <a16:creationId xmlns:a16="http://schemas.microsoft.com/office/drawing/2014/main" id="{7497DBAA-8245-4138-A3C0-77A3DC3C4E45}"/>
+              </a:ext>
+            </a:extLst>
+          </p:cNvPr>
+          <p:cNvCxnSpPr>
+            <a:cxnSpLocks/>
+          </p:cNvCxnSpPr>
+          <p:nvPr/>
+        </p:nvCxnSpPr>
+        <p:spPr>
+          <a:xfrm>
+            <a:off x="369888" y="1728788"/>
+            <a:ext cx="11450637" cy="0"/>
+          </a:xfrm>
+          <a:prstGeom prst="line">
+            <a:avLst/>
+          </a:prstGeom>
+          <a:ln w="57150"/>
+        </p:spPr>
+        <p:style>
+          <a:lnRef idx="1">
+            <a:schemeClr val="accent1"/>
+          </a:lnRef>
+          <a:fillRef idx="0">
+            <a:schemeClr val="accent1"/>
+          </a:fillRef>
+          <a:effectRef idx="0">
+            <a:schemeClr val="accent1"/>
+          </a:effectRef>
+          <a:fontRef idx="minor">
+            <a:schemeClr val="tx1"/>
+          </a:fontRef>
+        </p:style>
+      </p:cxnSp>
+      <p:cxnSp>
+        <p:nvCxnSpPr>
+          <p:cNvPr id="5" name="직선 연결선 4">
+            <a:extLst>
+              <a:ext uri="{FF2B5EF4-FFF2-40B4-BE49-F238E27FC236}">
+                <a16:creationId xmlns:a16="http://schemas.microsoft.com/office/drawing/2014/main" id="{0559A89C-826E-461D-8263-2810DDF586C0}"/>
+              </a:ext>
+            </a:extLst>
+          </p:cNvPr>
+          <p:cNvCxnSpPr>
+            <a:cxnSpLocks/>
+          </p:cNvCxnSpPr>
+          <p:nvPr/>
+        </p:nvCxnSpPr>
+        <p:spPr>
+          <a:xfrm>
+            <a:off x="554038" y="365125"/>
+            <a:ext cx="0" cy="4906963"/>
+          </a:xfrm>
+          <a:prstGeom prst="line">
+            <a:avLst/>
+          </a:prstGeom>
+          <a:ln w="57150"/>
+        </p:spPr>
+        <p:style>
+          <a:lnRef idx="1">
+            <a:schemeClr val="accent6"/>
+          </a:lnRef>
+          <a:fillRef idx="0">
+            <a:schemeClr val="accent6"/>
+          </a:fillRef>
+          <a:effectRef idx="0">
+            <a:schemeClr val="accent6"/>
+          </a:effectRef>
+          <a:fontRef idx="minor">
+            <a:schemeClr val="tx1"/>
+          </a:fontRef>
+        </p:style>
+      </p:cxnSp>
+    </p:spTree>
+    <p:extLst>
+      <p:ext uri="{BB962C8B-B14F-4D97-AF65-F5344CB8AC3E}">
+        <p14:creationId xmlns:p14="http://schemas.microsoft.com/office/powerpoint/2010/main" val="3690097854"/>
+      </p:ext>
+    </p:extLst>
+  </p:cSld>
+  <p:clrMapOvr>
+    <a:masterClrMapping/>
+  </p:clrMapOvr>
+</p:sld>
+</file>
+
+<file path=ppt/slides/slide35.xml><?xml version="1.0" encoding="utf-8"?>
+<p:sld xmlns:a="http://schemas.openxmlformats.org/drawingml/2006/main" xmlns:r="http://schemas.openxmlformats.org/officeDocument/2006/relationships" xmlns:p="http://schemas.openxmlformats.org/presentationml/2006/main">
+  <p:cSld>
+    <p:spTree>
+      <p:nvGrpSpPr>
+        <p:cNvPr id="1" name=""/>
+        <p:cNvGrpSpPr/>
+        <p:nvPr/>
+      </p:nvGrpSpPr>
+      <p:grpSpPr>
+        <a:xfrm>
+          <a:off x="0" y="0"/>
+          <a:ext cx="0" cy="0"/>
+          <a:chOff x="0" y="0"/>
+          <a:chExt cx="0" cy="0"/>
+        </a:xfrm>
+      </p:grpSpPr>
+      <p:sp>
+        <p:nvSpPr>
+          <p:cNvPr id="2" name="제목 1">
+            <a:extLst>
+              <a:ext uri="{FF2B5EF4-FFF2-40B4-BE49-F238E27FC236}">
+                <a16:creationId xmlns:a16="http://schemas.microsoft.com/office/drawing/2014/main" id="{983A6E96-AA38-4579-A98A-E829B43CC6D7}"/>
+              </a:ext>
+            </a:extLst>
+          </p:cNvPr>
+          <p:cNvSpPr>
+            <a:spLocks noGrp="1"/>
+          </p:cNvSpPr>
+          <p:nvPr>
+            <p:ph type="title"/>
+          </p:nvPr>
+        </p:nvSpPr>
+        <p:spPr/>
+        <p:txBody>
+          <a:bodyPr/>
+          <a:lstStyle/>
+          <a:p>
+            <a:r>
+              <a:rPr lang="ko-KR" altLang="en-US"/>
+              <a:t>형성평가</a:t>
+            </a:r>
+          </a:p>
+        </p:txBody>
+      </p:sp>
+      <p:sp>
+        <p:nvSpPr>
+          <p:cNvPr id="3" name="내용 개체 틀 2">
+            <a:extLst>
+              <a:ext uri="{FF2B5EF4-FFF2-40B4-BE49-F238E27FC236}">
+                <a16:creationId xmlns:a16="http://schemas.microsoft.com/office/drawing/2014/main" id="{6BEAB955-7BA0-4E41-9FB1-EBAB938546AF}"/>
+              </a:ext>
+            </a:extLst>
+          </p:cNvPr>
+          <p:cNvSpPr>
+            <a:spLocks noGrp="1"/>
+          </p:cNvSpPr>
+          <p:nvPr>
+            <p:ph idx="1"/>
+          </p:nvPr>
+        </p:nvSpPr>
+        <p:spPr/>
+        <p:txBody>
+          <a:bodyPr/>
+          <a:lstStyle/>
+          <a:p>
+            <a:r>
+              <a:rPr lang="ko-KR" altLang="en-US"/>
+              <a:t>다음 그림과 같이 </a:t>
+            </a:r>
+            <a:r>
+              <a:rPr lang="en-US" altLang="ko-KR"/>
+              <a:t>IP</a:t>
+            </a:r>
+            <a:r>
+              <a:rPr lang="ko-KR" altLang="en-US"/>
+              <a:t>주소와 물리적 주소를 확인할 수 있는 명령어로 옳은 것은</a:t>
+            </a:r>
+            <a:r>
+              <a:rPr lang="en-US" altLang="ko-KR"/>
+              <a:t>?</a:t>
+            </a:r>
+            <a:endParaRPr lang="ko-KR" altLang="en-US"/>
+          </a:p>
+        </p:txBody>
+      </p:sp>
+      <p:cxnSp>
+        <p:nvCxnSpPr>
+          <p:cNvPr id="4" name="직선 연결선 3">
+            <a:extLst>
+              <a:ext uri="{FF2B5EF4-FFF2-40B4-BE49-F238E27FC236}">
+                <a16:creationId xmlns:a16="http://schemas.microsoft.com/office/drawing/2014/main" id="{7497DBAA-8245-4138-A3C0-77A3DC3C4E45}"/>
+              </a:ext>
+            </a:extLst>
+          </p:cNvPr>
+          <p:cNvCxnSpPr>
+            <a:cxnSpLocks/>
+          </p:cNvCxnSpPr>
+          <p:nvPr/>
+        </p:nvCxnSpPr>
+        <p:spPr>
+          <a:xfrm>
+            <a:off x="369888" y="1728788"/>
+            <a:ext cx="11450637" cy="0"/>
+          </a:xfrm>
+          <a:prstGeom prst="line">
+            <a:avLst/>
+          </a:prstGeom>
+          <a:ln w="57150"/>
+        </p:spPr>
+        <p:style>
+          <a:lnRef idx="1">
+            <a:schemeClr val="accent1"/>
+          </a:lnRef>
+          <a:fillRef idx="0">
+            <a:schemeClr val="accent1"/>
+          </a:fillRef>
+          <a:effectRef idx="0">
+            <a:schemeClr val="accent1"/>
+          </a:effectRef>
+          <a:fontRef idx="minor">
+            <a:schemeClr val="tx1"/>
+          </a:fontRef>
+        </p:style>
+      </p:cxnSp>
+      <p:cxnSp>
+        <p:nvCxnSpPr>
+          <p:cNvPr id="5" name="직선 연결선 4">
+            <a:extLst>
+              <a:ext uri="{FF2B5EF4-FFF2-40B4-BE49-F238E27FC236}">
+                <a16:creationId xmlns:a16="http://schemas.microsoft.com/office/drawing/2014/main" id="{0559A89C-826E-461D-8263-2810DDF586C0}"/>
+              </a:ext>
+            </a:extLst>
+          </p:cNvPr>
+          <p:cNvCxnSpPr>
+            <a:cxnSpLocks/>
+          </p:cNvCxnSpPr>
+          <p:nvPr/>
+        </p:nvCxnSpPr>
+        <p:spPr>
+          <a:xfrm>
+            <a:off x="554038" y="365125"/>
+            <a:ext cx="0" cy="4906963"/>
+          </a:xfrm>
+          <a:prstGeom prst="line">
+            <a:avLst/>
+          </a:prstGeom>
+          <a:ln w="57150"/>
+        </p:spPr>
+        <p:style>
+          <a:lnRef idx="1">
+            <a:schemeClr val="accent6"/>
+          </a:lnRef>
+          <a:fillRef idx="0">
+            <a:schemeClr val="accent6"/>
+          </a:fillRef>
+          <a:effectRef idx="0">
+            <a:schemeClr val="accent6"/>
+          </a:effectRef>
+          <a:fontRef idx="minor">
+            <a:schemeClr val="tx1"/>
+          </a:fontRef>
+        </p:style>
+      </p:cxnSp>
+      <p:pic>
+        <p:nvPicPr>
+          <p:cNvPr id="6" name="Picture 1">
+            <a:extLst>
+              <a:ext uri="{FF2B5EF4-FFF2-40B4-BE49-F238E27FC236}">
+                <a16:creationId xmlns:a16="http://schemas.microsoft.com/office/drawing/2014/main" id="{0948DE7F-42D3-45EA-957A-F574FC4E0340}"/>
+              </a:ext>
+            </a:extLst>
+          </p:cNvPr>
+          <p:cNvPicPr>
+            <a:picLocks noChangeAspect="1"/>
+          </p:cNvPicPr>
+          <p:nvPr/>
+        </p:nvPicPr>
+        <p:blipFill>
+          <a:blip r:embed="rId2">
+            <a:extLst/>
+          </a:blip>
+          <a:stretch>
+            <a:fillRect/>
+          </a:stretch>
+        </p:blipFill>
+        <p:spPr>
+          <a:xfrm>
+            <a:off x="1054099" y="2832894"/>
+            <a:ext cx="6463057" cy="2767806"/>
+          </a:xfrm>
+          <a:prstGeom prst="rect">
+            <a:avLst/>
+          </a:prstGeom>
+          <a:noFill/>
+          <a:ln>
+            <a:noFill/>
+          </a:ln>
+          <a:effectLst/>
+        </p:spPr>
+      </p:pic>
+    </p:spTree>
+    <p:extLst>
+      <p:ext uri="{BB962C8B-B14F-4D97-AF65-F5344CB8AC3E}">
         <p14:creationId xmlns:p14="http://schemas.microsoft.com/office/powerpoint/2010/main" val="3884549756"/>
+      </p:ext>
+    </p:extLst>
+  </p:cSld>
+  <p:clrMapOvr>
+    <a:masterClrMapping/>
+  </p:clrMapOvr>
+</p:sld>
+</file>
+
+<file path=ppt/slides/slide36.xml><?xml version="1.0" encoding="utf-8"?>
+<p:sld xmlns:a="http://schemas.openxmlformats.org/drawingml/2006/main" xmlns:r="http://schemas.openxmlformats.org/officeDocument/2006/relationships" xmlns:p="http://schemas.openxmlformats.org/presentationml/2006/main">
+  <p:cSld>
+    <p:spTree>
+      <p:nvGrpSpPr>
+        <p:cNvPr id="1" name=""/>
+        <p:cNvGrpSpPr/>
+        <p:nvPr/>
+      </p:nvGrpSpPr>
+      <p:grpSpPr>
+        <a:xfrm>
+          <a:off x="0" y="0"/>
+          <a:ext cx="0" cy="0"/>
+          <a:chOff x="0" y="0"/>
+          <a:chExt cx="0" cy="0"/>
+        </a:xfrm>
+      </p:grpSpPr>
+      <p:sp>
+        <p:nvSpPr>
+          <p:cNvPr id="2" name="제목 1">
+            <a:extLst>
+              <a:ext uri="{FF2B5EF4-FFF2-40B4-BE49-F238E27FC236}">
+                <a16:creationId xmlns:a16="http://schemas.microsoft.com/office/drawing/2014/main" id="{983A6E96-AA38-4579-A98A-E829B43CC6D7}"/>
+              </a:ext>
+            </a:extLst>
+          </p:cNvPr>
+          <p:cNvSpPr>
+            <a:spLocks noGrp="1"/>
+          </p:cNvSpPr>
+          <p:nvPr>
+            <p:ph type="title"/>
+          </p:nvPr>
+        </p:nvSpPr>
+        <p:spPr/>
+        <p:txBody>
+          <a:bodyPr/>
+          <a:lstStyle/>
+          <a:p>
+            <a:r>
+              <a:rPr lang="ko-KR" altLang="en-US"/>
+              <a:t>형성평가</a:t>
+            </a:r>
+          </a:p>
+        </p:txBody>
+      </p:sp>
+      <p:sp>
+        <p:nvSpPr>
+          <p:cNvPr id="3" name="내용 개체 틀 2">
+            <a:extLst>
+              <a:ext uri="{FF2B5EF4-FFF2-40B4-BE49-F238E27FC236}">
+                <a16:creationId xmlns:a16="http://schemas.microsoft.com/office/drawing/2014/main" id="{6BEAB955-7BA0-4E41-9FB1-EBAB938546AF}"/>
+              </a:ext>
+            </a:extLst>
+          </p:cNvPr>
+          <p:cNvSpPr>
+            <a:spLocks noGrp="1"/>
+          </p:cNvSpPr>
+          <p:nvPr>
+            <p:ph idx="1"/>
+          </p:nvPr>
+        </p:nvSpPr>
+        <p:spPr/>
+        <p:txBody>
+          <a:bodyPr/>
+          <a:lstStyle/>
+          <a:p>
+            <a:r>
+              <a:rPr lang="ko-KR" altLang="en-US"/>
+              <a:t>다음 그림과 같이 스위치 장비에서 </a:t>
+            </a:r>
+            <a:r>
+              <a:rPr lang="en-US" altLang="ko-KR"/>
+              <a:t>MAC Address Table </a:t>
+            </a:r>
+            <a:r>
+              <a:rPr lang="ko-KR" altLang="en-US"/>
+              <a:t>을</a:t>
+            </a:r>
+            <a:r>
+              <a:rPr lang="en-US" altLang="ko-KR"/>
+              <a:t> </a:t>
+            </a:r>
+            <a:r>
+              <a:rPr lang="ko-KR" altLang="en-US"/>
+              <a:t>확인하는 명령어로 옳은 것은</a:t>
+            </a:r>
+            <a:r>
+              <a:rPr lang="en-US" altLang="ko-KR"/>
+              <a:t>?</a:t>
+            </a:r>
+          </a:p>
+          <a:p>
+            <a:pPr marL="514350" indent="-514350">
+              <a:buFont typeface="+mj-ea"/>
+              <a:buAutoNum type="circleNumDbPlain"/>
+            </a:pPr>
+            <a:r>
+              <a:rPr lang="en-US" altLang="ko-KR"/>
+              <a:t>Switch&gt; show mac-address-table</a:t>
+            </a:r>
+          </a:p>
+          <a:p>
+            <a:pPr marL="514350" indent="-514350">
+              <a:buFont typeface="+mj-ea"/>
+              <a:buAutoNum type="circleNumDbPlain"/>
+            </a:pPr>
+            <a:r>
+              <a:rPr lang="en-US" altLang="ko-KR"/>
+              <a:t>Switch&gt; show flash:</a:t>
+            </a:r>
+          </a:p>
+          <a:p>
+            <a:pPr marL="514350" indent="-514350">
+              <a:buFont typeface="+mj-ea"/>
+              <a:buAutoNum type="circleNumDbPlain"/>
+            </a:pPr>
+            <a:r>
+              <a:rPr lang="en-US" altLang="ko-KR"/>
+              <a:t>Switch&gt; show clock</a:t>
+            </a:r>
+          </a:p>
+          <a:p>
+            <a:pPr marL="514350" indent="-514350">
+              <a:buFont typeface="+mj-ea"/>
+              <a:buAutoNum type="circleNumDbPlain"/>
+            </a:pPr>
+            <a:r>
+              <a:rPr lang="en-US" altLang="ko-KR"/>
+              <a:t>Switch&gt; show vlan</a:t>
+            </a:r>
+          </a:p>
+          <a:p>
+            <a:pPr marL="514350" indent="-514350">
+              <a:buFont typeface="+mj-ea"/>
+              <a:buAutoNum type="circleNumDbPlain"/>
+            </a:pPr>
+            <a:r>
+              <a:rPr lang="en-US" altLang="ko-KR"/>
+              <a:t>Switch&gt; show tcp</a:t>
+            </a:r>
+          </a:p>
+          <a:p>
+            <a:pPr marL="514350" indent="-514350">
+              <a:buFont typeface="+mj-ea"/>
+              <a:buAutoNum type="circleNumDbPlain"/>
+            </a:pPr>
+            <a:endParaRPr lang="ko-KR" altLang="en-US"/>
+          </a:p>
+        </p:txBody>
+      </p:sp>
+      <p:cxnSp>
+        <p:nvCxnSpPr>
+          <p:cNvPr id="4" name="직선 연결선 3">
+            <a:extLst>
+              <a:ext uri="{FF2B5EF4-FFF2-40B4-BE49-F238E27FC236}">
+                <a16:creationId xmlns:a16="http://schemas.microsoft.com/office/drawing/2014/main" id="{7497DBAA-8245-4138-A3C0-77A3DC3C4E45}"/>
+              </a:ext>
+            </a:extLst>
+          </p:cNvPr>
+          <p:cNvCxnSpPr>
+            <a:cxnSpLocks/>
+          </p:cNvCxnSpPr>
+          <p:nvPr/>
+        </p:nvCxnSpPr>
+        <p:spPr>
+          <a:xfrm>
+            <a:off x="369888" y="1728788"/>
+            <a:ext cx="11450637" cy="0"/>
+          </a:xfrm>
+          <a:prstGeom prst="line">
+            <a:avLst/>
+          </a:prstGeom>
+          <a:ln w="57150"/>
+        </p:spPr>
+        <p:style>
+          <a:lnRef idx="1">
+            <a:schemeClr val="accent1"/>
+          </a:lnRef>
+          <a:fillRef idx="0">
+            <a:schemeClr val="accent1"/>
+          </a:fillRef>
+          <a:effectRef idx="0">
+            <a:schemeClr val="accent1"/>
+          </a:effectRef>
+          <a:fontRef idx="minor">
+            <a:schemeClr val="tx1"/>
+          </a:fontRef>
+        </p:style>
+      </p:cxnSp>
+      <p:cxnSp>
+        <p:nvCxnSpPr>
+          <p:cNvPr id="5" name="직선 연결선 4">
+            <a:extLst>
+              <a:ext uri="{FF2B5EF4-FFF2-40B4-BE49-F238E27FC236}">
+                <a16:creationId xmlns:a16="http://schemas.microsoft.com/office/drawing/2014/main" id="{0559A89C-826E-461D-8263-2810DDF586C0}"/>
+              </a:ext>
+            </a:extLst>
+          </p:cNvPr>
+          <p:cNvCxnSpPr>
+            <a:cxnSpLocks/>
+          </p:cNvCxnSpPr>
+          <p:nvPr/>
+        </p:nvCxnSpPr>
+        <p:spPr>
+          <a:xfrm>
+            <a:off x="554038" y="365125"/>
+            <a:ext cx="0" cy="4906963"/>
+          </a:xfrm>
+          <a:prstGeom prst="line">
+            <a:avLst/>
+          </a:prstGeom>
+          <a:ln w="57150"/>
+        </p:spPr>
+        <p:style>
+          <a:lnRef idx="1">
+            <a:schemeClr val="accent6"/>
+          </a:lnRef>
+          <a:fillRef idx="0">
+            <a:schemeClr val="accent6"/>
+          </a:fillRef>
+          <a:effectRef idx="0">
+            <a:schemeClr val="accent6"/>
+          </a:effectRef>
+          <a:fontRef idx="minor">
+            <a:schemeClr val="tx1"/>
+          </a:fontRef>
+        </p:style>
+      </p:cxnSp>
+    </p:spTree>
+    <p:extLst>
+      <p:ext uri="{BB962C8B-B14F-4D97-AF65-F5344CB8AC3E}">
+        <p14:creationId xmlns:p14="http://schemas.microsoft.com/office/powerpoint/2010/main" val="2056126593"/>
+      </p:ext>
+    </p:extLst>
+  </p:cSld>
+  <p:clrMapOvr>
+    <a:masterClrMapping/>
+  </p:clrMapOvr>
+</p:sld>
+</file>
+
+<file path=ppt/slides/slide37.xml><?xml version="1.0" encoding="utf-8"?>
+<p:sld xmlns:a="http://schemas.openxmlformats.org/drawingml/2006/main" xmlns:r="http://schemas.openxmlformats.org/officeDocument/2006/relationships" xmlns:p="http://schemas.openxmlformats.org/presentationml/2006/main">
+  <p:cSld>
+    <p:spTree>
+      <p:nvGrpSpPr>
+        <p:cNvPr id="1" name=""/>
+        <p:cNvGrpSpPr/>
+        <p:nvPr/>
+      </p:nvGrpSpPr>
+      <p:grpSpPr>
+        <a:xfrm>
+          <a:off x="0" y="0"/>
+          <a:ext cx="0" cy="0"/>
+          <a:chOff x="0" y="0"/>
+          <a:chExt cx="0" cy="0"/>
+        </a:xfrm>
+      </p:grpSpPr>
+      <p:sp>
+        <p:nvSpPr>
+          <p:cNvPr id="2" name="제목 1">
+            <a:extLst>
+              <a:ext uri="{FF2B5EF4-FFF2-40B4-BE49-F238E27FC236}">
+                <a16:creationId xmlns:a16="http://schemas.microsoft.com/office/drawing/2014/main" id="{983A6E96-AA38-4579-A98A-E829B43CC6D7}"/>
+              </a:ext>
+            </a:extLst>
+          </p:cNvPr>
+          <p:cNvSpPr>
+            <a:spLocks noGrp="1"/>
+          </p:cNvSpPr>
+          <p:nvPr>
+            <p:ph type="title"/>
+          </p:nvPr>
+        </p:nvSpPr>
+        <p:spPr/>
+        <p:txBody>
+          <a:bodyPr/>
+          <a:lstStyle/>
+          <a:p>
+            <a:r>
+              <a:rPr lang="ko-KR" altLang="en-US"/>
+              <a:t>형성평가</a:t>
+            </a:r>
+          </a:p>
+        </p:txBody>
+      </p:sp>
+      <p:sp>
+        <p:nvSpPr>
+          <p:cNvPr id="3" name="내용 개체 틀 2">
+            <a:extLst>
+              <a:ext uri="{FF2B5EF4-FFF2-40B4-BE49-F238E27FC236}">
+                <a16:creationId xmlns:a16="http://schemas.microsoft.com/office/drawing/2014/main" id="{6BEAB955-7BA0-4E41-9FB1-EBAB938546AF}"/>
+              </a:ext>
+            </a:extLst>
+          </p:cNvPr>
+          <p:cNvSpPr>
+            <a:spLocks noGrp="1"/>
+          </p:cNvSpPr>
+          <p:nvPr>
+            <p:ph idx="1"/>
+          </p:nvPr>
+        </p:nvSpPr>
+        <p:spPr/>
+        <p:txBody>
+          <a:bodyPr/>
+          <a:lstStyle/>
+          <a:p>
+            <a:r>
+              <a:rPr lang="ko-KR" altLang="en-US"/>
+              <a:t>라우터의 </a:t>
+            </a:r>
+            <a:r>
+              <a:rPr lang="en-US" altLang="ko-KR"/>
+              <a:t>IOS </a:t>
+            </a:r>
+            <a:r>
+              <a:rPr lang="ko-KR" altLang="en-US"/>
+              <a:t>모드 중 관리자 모드의 프롬프트로 옳은 것은</a:t>
+            </a:r>
+            <a:r>
+              <a:rPr lang="en-US" altLang="ko-KR"/>
+              <a:t>?</a:t>
+            </a:r>
+          </a:p>
+          <a:p>
+            <a:endParaRPr lang="en-US" altLang="ko-KR"/>
+          </a:p>
+          <a:p>
+            <a:pPr marL="514350" indent="-514350">
+              <a:buFont typeface="+mj-ea"/>
+              <a:buAutoNum type="circleNumDbPlain"/>
+            </a:pPr>
+            <a:r>
+              <a:rPr lang="en-US" altLang="ko-KR"/>
+              <a:t>Router&gt;</a:t>
+            </a:r>
+          </a:p>
+          <a:p>
+            <a:pPr marL="514350" indent="-514350">
+              <a:buFont typeface="+mj-ea"/>
+              <a:buAutoNum type="circleNumDbPlain"/>
+            </a:pPr>
+            <a:r>
+              <a:rPr lang="en-US" altLang="ko-KR"/>
+              <a:t>Router#</a:t>
+            </a:r>
+          </a:p>
+          <a:p>
+            <a:pPr marL="514350" indent="-514350">
+              <a:buFont typeface="+mj-ea"/>
+              <a:buAutoNum type="circleNumDbPlain"/>
+            </a:pPr>
+            <a:r>
+              <a:rPr lang="en-US" altLang="ko-KR"/>
+              <a:t>Router(config)#</a:t>
+            </a:r>
+          </a:p>
+          <a:p>
+            <a:pPr marL="514350" indent="-514350">
+              <a:buFont typeface="+mj-ea"/>
+              <a:buAutoNum type="circleNumDbPlain"/>
+            </a:pPr>
+            <a:r>
+              <a:rPr lang="en-US" altLang="ko-KR"/>
+              <a:t>Router(config-if)#</a:t>
+            </a:r>
+          </a:p>
+          <a:p>
+            <a:pPr marL="514350" indent="-514350">
+              <a:buFont typeface="+mj-ea"/>
+              <a:buAutoNum type="circleNumDbPlain"/>
+            </a:pPr>
+            <a:r>
+              <a:rPr lang="en-US" altLang="ko-KR"/>
+              <a:t>Router(config-line)#</a:t>
+            </a:r>
+          </a:p>
+          <a:p>
+            <a:pPr marL="514350" indent="-514350">
+              <a:buFont typeface="+mj-ea"/>
+              <a:buAutoNum type="circleNumDbPlain"/>
+            </a:pPr>
+            <a:endParaRPr lang="en-US" altLang="ko-KR"/>
+          </a:p>
+          <a:p>
+            <a:pPr marL="514350" indent="-514350">
+              <a:buFont typeface="+mj-ea"/>
+              <a:buAutoNum type="circleNumDbPlain"/>
+            </a:pPr>
+            <a:endParaRPr lang="ko-KR" altLang="en-US"/>
+          </a:p>
+        </p:txBody>
+      </p:sp>
+      <p:cxnSp>
+        <p:nvCxnSpPr>
+          <p:cNvPr id="4" name="직선 연결선 3">
+            <a:extLst>
+              <a:ext uri="{FF2B5EF4-FFF2-40B4-BE49-F238E27FC236}">
+                <a16:creationId xmlns:a16="http://schemas.microsoft.com/office/drawing/2014/main" id="{7497DBAA-8245-4138-A3C0-77A3DC3C4E45}"/>
+              </a:ext>
+            </a:extLst>
+          </p:cNvPr>
+          <p:cNvCxnSpPr>
+            <a:cxnSpLocks/>
+          </p:cNvCxnSpPr>
+          <p:nvPr/>
+        </p:nvCxnSpPr>
+        <p:spPr>
+          <a:xfrm>
+            <a:off x="369888" y="1728788"/>
+            <a:ext cx="11450637" cy="0"/>
+          </a:xfrm>
+          <a:prstGeom prst="line">
+            <a:avLst/>
+          </a:prstGeom>
+          <a:ln w="57150"/>
+        </p:spPr>
+        <p:style>
+          <a:lnRef idx="1">
+            <a:schemeClr val="accent1"/>
+          </a:lnRef>
+          <a:fillRef idx="0">
+            <a:schemeClr val="accent1"/>
+          </a:fillRef>
+          <a:effectRef idx="0">
+            <a:schemeClr val="accent1"/>
+          </a:effectRef>
+          <a:fontRef idx="minor">
+            <a:schemeClr val="tx1"/>
+          </a:fontRef>
+        </p:style>
+      </p:cxnSp>
+      <p:cxnSp>
+        <p:nvCxnSpPr>
+          <p:cNvPr id="5" name="직선 연결선 4">
+            <a:extLst>
+              <a:ext uri="{FF2B5EF4-FFF2-40B4-BE49-F238E27FC236}">
+                <a16:creationId xmlns:a16="http://schemas.microsoft.com/office/drawing/2014/main" id="{0559A89C-826E-461D-8263-2810DDF586C0}"/>
+              </a:ext>
+            </a:extLst>
+          </p:cNvPr>
+          <p:cNvCxnSpPr>
+            <a:cxnSpLocks/>
+          </p:cNvCxnSpPr>
+          <p:nvPr/>
+        </p:nvCxnSpPr>
+        <p:spPr>
+          <a:xfrm>
+            <a:off x="554038" y="365125"/>
+            <a:ext cx="0" cy="4906963"/>
+          </a:xfrm>
+          <a:prstGeom prst="line">
+            <a:avLst/>
+          </a:prstGeom>
+          <a:ln w="57150"/>
+        </p:spPr>
+        <p:style>
+          <a:lnRef idx="1">
+            <a:schemeClr val="accent6"/>
+          </a:lnRef>
+          <a:fillRef idx="0">
+            <a:schemeClr val="accent6"/>
+          </a:fillRef>
+          <a:effectRef idx="0">
+            <a:schemeClr val="accent6"/>
+          </a:effectRef>
+          <a:fontRef idx="minor">
+            <a:schemeClr val="tx1"/>
+          </a:fontRef>
+        </p:style>
+      </p:cxnSp>
+    </p:spTree>
+    <p:extLst>
+      <p:ext uri="{BB962C8B-B14F-4D97-AF65-F5344CB8AC3E}">
+        <p14:creationId xmlns:p14="http://schemas.microsoft.com/office/powerpoint/2010/main" val="403466300"/>
+      </p:ext>
+    </p:extLst>
+  </p:cSld>
+  <p:clrMapOvr>
+    <a:masterClrMapping/>
+  </p:clrMapOvr>
+</p:sld>
+</file>
+
+<file path=ppt/slides/slide38.xml><?xml version="1.0" encoding="utf-8"?>
+<p:sld xmlns:a="http://schemas.openxmlformats.org/drawingml/2006/main" xmlns:r="http://schemas.openxmlformats.org/officeDocument/2006/relationships" xmlns:p="http://schemas.openxmlformats.org/presentationml/2006/main">
+  <p:cSld>
+    <p:spTree>
+      <p:nvGrpSpPr>
+        <p:cNvPr id="1" name=""/>
+        <p:cNvGrpSpPr/>
+        <p:nvPr/>
+      </p:nvGrpSpPr>
+      <p:grpSpPr>
+        <a:xfrm>
+          <a:off x="0" y="0"/>
+          <a:ext cx="0" cy="0"/>
+          <a:chOff x="0" y="0"/>
+          <a:chExt cx="0" cy="0"/>
+        </a:xfrm>
+      </p:grpSpPr>
+      <p:sp>
+        <p:nvSpPr>
+          <p:cNvPr id="2" name="제목 1">
+            <a:extLst>
+              <a:ext uri="{FF2B5EF4-FFF2-40B4-BE49-F238E27FC236}">
+                <a16:creationId xmlns:a16="http://schemas.microsoft.com/office/drawing/2014/main" id="{983A6E96-AA38-4579-A98A-E829B43CC6D7}"/>
+              </a:ext>
+            </a:extLst>
+          </p:cNvPr>
+          <p:cNvSpPr>
+            <a:spLocks noGrp="1"/>
+          </p:cNvSpPr>
+          <p:nvPr>
+            <p:ph type="title"/>
+          </p:nvPr>
+        </p:nvSpPr>
+        <p:spPr/>
+        <p:txBody>
+          <a:bodyPr/>
+          <a:lstStyle/>
+          <a:p>
+            <a:r>
+              <a:rPr lang="ko-KR" altLang="en-US"/>
+              <a:t>차시예고</a:t>
+            </a:r>
+          </a:p>
+        </p:txBody>
+      </p:sp>
+      <p:sp>
+        <p:nvSpPr>
+          <p:cNvPr id="3" name="내용 개체 틀 2">
+            <a:extLst>
+              <a:ext uri="{FF2B5EF4-FFF2-40B4-BE49-F238E27FC236}">
+                <a16:creationId xmlns:a16="http://schemas.microsoft.com/office/drawing/2014/main" id="{6BEAB955-7BA0-4E41-9FB1-EBAB938546AF}"/>
+              </a:ext>
+            </a:extLst>
+          </p:cNvPr>
+          <p:cNvSpPr>
+            <a:spLocks noGrp="1"/>
+          </p:cNvSpPr>
+          <p:nvPr>
+            <p:ph idx="1"/>
+          </p:nvPr>
+        </p:nvSpPr>
+        <p:spPr/>
+        <p:txBody>
+          <a:bodyPr/>
+          <a:lstStyle/>
+          <a:p>
+            <a:r>
+              <a:rPr lang="en-US" altLang="ko-KR"/>
+              <a:t>IV. IP</a:t>
+            </a:r>
+            <a:r>
+              <a:rPr lang="ko-KR" altLang="en-US"/>
+              <a:t>주소</a:t>
+            </a:r>
+            <a:endParaRPr lang="en-US" altLang="ko-KR"/>
+          </a:p>
+          <a:p>
+            <a:pPr lvl="1"/>
+            <a:r>
+              <a:rPr lang="en-US" altLang="ko-KR"/>
+              <a:t>IPv4 </a:t>
+            </a:r>
+            <a:r>
+              <a:rPr lang="ko-KR" altLang="en-US"/>
+              <a:t>주소 체계</a:t>
+            </a:r>
+            <a:endParaRPr lang="en-US" altLang="ko-KR"/>
+          </a:p>
+          <a:p>
+            <a:pPr lvl="1"/>
+            <a:r>
+              <a:rPr lang="ko-KR" altLang="en-US"/>
+              <a:t>서브넷 마스크</a:t>
+            </a:r>
+            <a:endParaRPr lang="en-US" altLang="ko-KR"/>
+          </a:p>
+          <a:p>
+            <a:pPr lvl="1"/>
+            <a:r>
+              <a:rPr lang="ko-KR" altLang="en-US"/>
+              <a:t>서브네팅</a:t>
+            </a:r>
+            <a:endParaRPr lang="en-US" altLang="ko-KR"/>
+          </a:p>
+          <a:p>
+            <a:pPr lvl="1"/>
+            <a:r>
+              <a:rPr lang="en-US" altLang="ko-KR"/>
+              <a:t>VLSM, CIDR</a:t>
+            </a:r>
+          </a:p>
+          <a:p>
+            <a:pPr lvl="1"/>
+            <a:r>
+              <a:rPr lang="ko-KR" altLang="en-US"/>
+              <a:t>사설 </a:t>
+            </a:r>
+            <a:r>
+              <a:rPr lang="en-US" altLang="ko-KR"/>
+              <a:t>IP </a:t>
+            </a:r>
+            <a:r>
+              <a:rPr lang="ko-KR" altLang="en-US"/>
+              <a:t>주소</a:t>
+            </a:r>
+            <a:endParaRPr lang="en-US" altLang="ko-KR"/>
+          </a:p>
+          <a:p>
+            <a:pPr lvl="1"/>
+            <a:r>
+              <a:rPr lang="en-US" altLang="ko-KR"/>
+              <a:t>IPv4</a:t>
+            </a:r>
+            <a:r>
+              <a:rPr lang="ko-KR" altLang="en-US"/>
+              <a:t>와 </a:t>
+            </a:r>
+            <a:r>
+              <a:rPr lang="en-US" altLang="ko-KR"/>
+              <a:t>IPv6</a:t>
+            </a:r>
+          </a:p>
+          <a:p>
+            <a:pPr lvl="1"/>
+            <a:endParaRPr lang="ko-KR" altLang="en-US"/>
+          </a:p>
+        </p:txBody>
+      </p:sp>
+      <p:cxnSp>
+        <p:nvCxnSpPr>
+          <p:cNvPr id="4" name="직선 연결선 3">
+            <a:extLst>
+              <a:ext uri="{FF2B5EF4-FFF2-40B4-BE49-F238E27FC236}">
+                <a16:creationId xmlns:a16="http://schemas.microsoft.com/office/drawing/2014/main" id="{7497DBAA-8245-4138-A3C0-77A3DC3C4E45}"/>
+              </a:ext>
+            </a:extLst>
+          </p:cNvPr>
+          <p:cNvCxnSpPr>
+            <a:cxnSpLocks/>
+          </p:cNvCxnSpPr>
+          <p:nvPr/>
+        </p:nvCxnSpPr>
+        <p:spPr>
+          <a:xfrm>
+            <a:off x="369888" y="1728788"/>
+            <a:ext cx="11450637" cy="0"/>
+          </a:xfrm>
+          <a:prstGeom prst="line">
+            <a:avLst/>
+          </a:prstGeom>
+          <a:ln w="57150"/>
+        </p:spPr>
+        <p:style>
+          <a:lnRef idx="1">
+            <a:schemeClr val="accent1"/>
+          </a:lnRef>
+          <a:fillRef idx="0">
+            <a:schemeClr val="accent1"/>
+          </a:fillRef>
+          <a:effectRef idx="0">
+            <a:schemeClr val="accent1"/>
+          </a:effectRef>
+          <a:fontRef idx="minor">
+            <a:schemeClr val="tx1"/>
+          </a:fontRef>
+        </p:style>
+      </p:cxnSp>
+      <p:cxnSp>
+        <p:nvCxnSpPr>
+          <p:cNvPr id="5" name="직선 연결선 4">
+            <a:extLst>
+              <a:ext uri="{FF2B5EF4-FFF2-40B4-BE49-F238E27FC236}">
+                <a16:creationId xmlns:a16="http://schemas.microsoft.com/office/drawing/2014/main" id="{0559A89C-826E-461D-8263-2810DDF586C0}"/>
+              </a:ext>
+            </a:extLst>
+          </p:cNvPr>
+          <p:cNvCxnSpPr>
+            <a:cxnSpLocks/>
+          </p:cNvCxnSpPr>
+          <p:nvPr/>
+        </p:nvCxnSpPr>
+        <p:spPr>
+          <a:xfrm>
+            <a:off x="554038" y="365125"/>
+            <a:ext cx="0" cy="4906963"/>
+          </a:xfrm>
+          <a:prstGeom prst="line">
+            <a:avLst/>
+          </a:prstGeom>
+          <a:ln w="57150"/>
+        </p:spPr>
+        <p:style>
+          <a:lnRef idx="1">
+            <a:schemeClr val="accent6"/>
+          </a:lnRef>
+          <a:fillRef idx="0">
+            <a:schemeClr val="accent6"/>
+          </a:fillRef>
+          <a:effectRef idx="0">
+            <a:schemeClr val="accent6"/>
+          </a:effectRef>
+          <a:fontRef idx="minor">
+            <a:schemeClr val="tx1"/>
+          </a:fontRef>
+        </p:style>
+      </p:cxnSp>
+    </p:spTree>
+    <p:extLst>
+      <p:ext uri="{BB962C8B-B14F-4D97-AF65-F5344CB8AC3E}">
+        <p14:creationId xmlns:p14="http://schemas.microsoft.com/office/powerpoint/2010/main" val="3993141664"/>
       </p:ext>
     </p:extLst>
   </p:cSld>
